--- a/backbone-socketio-comments.pptx
+++ b/backbone-socketio-comments.pptx
@@ -10,8 +10,8 @@
     <p:sldId id="259" r:id="rId4"/>
     <p:sldId id="257" r:id="rId5"/>
     <p:sldId id="260" r:id="rId6"/>
-    <p:sldId id="261" r:id="rId7"/>
-    <p:sldId id="262" r:id="rId8"/>
+    <p:sldId id="262" r:id="rId7"/>
+    <p:sldId id="261" r:id="rId8"/>
   </p:sldIdLst>
   <p:sldSz cx="9144000" cy="6858000" type="screen4x3"/>
   <p:notesSz cx="6858000" cy="9144000"/>
@@ -993,6 +993,13 @@
         </dgm:presLayoutVars>
       </dgm:prSet>
       <dgm:spPr/>
+      <dgm:t>
+        <a:bodyPr/>
+        <a:lstStyle/>
+        <a:p>
+          <a:endParaRPr lang="en-US"/>
+        </a:p>
+      </dgm:t>
     </dgm:pt>
     <dgm:pt modelId="{CD78A63D-8674-6440-9A36-8589F8949084}" type="pres">
       <dgm:prSet presAssocID="{32B86B39-F052-9D49-A8A3-7B494BE1CF71}" presName="node" presStyleLbl="node1" presStyleIdx="0" presStyleCnt="3">
@@ -1001,14 +1008,35 @@
         </dgm:presLayoutVars>
       </dgm:prSet>
       <dgm:spPr/>
+      <dgm:t>
+        <a:bodyPr/>
+        <a:lstStyle/>
+        <a:p>
+          <a:endParaRPr lang="en-US"/>
+        </a:p>
+      </dgm:t>
     </dgm:pt>
     <dgm:pt modelId="{9CE3CB83-A589-584C-82C4-1E290FB88F9C}" type="pres">
       <dgm:prSet presAssocID="{767C7974-8066-3743-B1AD-E0D68581121F}" presName="sibTrans" presStyleLbl="sibTrans2D1" presStyleIdx="0" presStyleCnt="3"/>
       <dgm:spPr/>
+      <dgm:t>
+        <a:bodyPr/>
+        <a:lstStyle/>
+        <a:p>
+          <a:endParaRPr lang="en-US"/>
+        </a:p>
+      </dgm:t>
     </dgm:pt>
     <dgm:pt modelId="{ECBA6517-1DAF-BC44-9160-17E9DCED3E6F}" type="pres">
       <dgm:prSet presAssocID="{767C7974-8066-3743-B1AD-E0D68581121F}" presName="connectorText" presStyleLbl="sibTrans2D1" presStyleIdx="0" presStyleCnt="3"/>
       <dgm:spPr/>
+      <dgm:t>
+        <a:bodyPr/>
+        <a:lstStyle/>
+        <a:p>
+          <a:endParaRPr lang="en-US"/>
+        </a:p>
+      </dgm:t>
     </dgm:pt>
     <dgm:pt modelId="{2DEDB50A-6CE4-1143-9049-34DA0BFAA498}" type="pres">
       <dgm:prSet presAssocID="{332CBCBC-8412-A441-A176-D3A0B353E8D0}" presName="node" presStyleLbl="node1" presStyleIdx="1" presStyleCnt="3">
@@ -1028,10 +1056,24 @@
     <dgm:pt modelId="{86707B31-F02E-6C47-AA2C-9765B23FD621}" type="pres">
       <dgm:prSet presAssocID="{A8DDFBE3-A220-784D-8F97-7AAE5E2C662C}" presName="sibTrans" presStyleLbl="sibTrans2D1" presStyleIdx="1" presStyleCnt="3"/>
       <dgm:spPr/>
+      <dgm:t>
+        <a:bodyPr/>
+        <a:lstStyle/>
+        <a:p>
+          <a:endParaRPr lang="en-US"/>
+        </a:p>
+      </dgm:t>
     </dgm:pt>
     <dgm:pt modelId="{07F2F792-0D73-4745-A1A0-17F50F3C38A7}" type="pres">
       <dgm:prSet presAssocID="{A8DDFBE3-A220-784D-8F97-7AAE5E2C662C}" presName="connectorText" presStyleLbl="sibTrans2D1" presStyleIdx="1" presStyleCnt="3"/>
       <dgm:spPr/>
+      <dgm:t>
+        <a:bodyPr/>
+        <a:lstStyle/>
+        <a:p>
+          <a:endParaRPr lang="en-US"/>
+        </a:p>
+      </dgm:t>
     </dgm:pt>
     <dgm:pt modelId="{C7D993F3-F165-244B-BB0D-CE08385ADFC2}" type="pres">
       <dgm:prSet presAssocID="{A269B124-0BAB-2F43-BD22-9597166D7F40}" presName="node" presStyleLbl="node1" presStyleIdx="2" presStyleCnt="3">
@@ -1040,14 +1082,35 @@
         </dgm:presLayoutVars>
       </dgm:prSet>
       <dgm:spPr/>
+      <dgm:t>
+        <a:bodyPr/>
+        <a:lstStyle/>
+        <a:p>
+          <a:endParaRPr lang="en-US"/>
+        </a:p>
+      </dgm:t>
     </dgm:pt>
     <dgm:pt modelId="{26078EF5-D4A3-DD49-9420-1C23D76B1CED}" type="pres">
       <dgm:prSet presAssocID="{5CB4BAC3-D97A-AF43-B301-32066BF441F2}" presName="sibTrans" presStyleLbl="sibTrans2D1" presStyleIdx="2" presStyleCnt="3"/>
       <dgm:spPr/>
+      <dgm:t>
+        <a:bodyPr/>
+        <a:lstStyle/>
+        <a:p>
+          <a:endParaRPr lang="en-US"/>
+        </a:p>
+      </dgm:t>
     </dgm:pt>
     <dgm:pt modelId="{46F63816-2E9C-1748-A051-D2F0573F87CC}" type="pres">
       <dgm:prSet presAssocID="{5CB4BAC3-D97A-AF43-B301-32066BF441F2}" presName="connectorText" presStyleLbl="sibTrans2D1" presStyleIdx="2" presStyleCnt="3"/>
       <dgm:spPr/>
+      <dgm:t>
+        <a:bodyPr/>
+        <a:lstStyle/>
+        <a:p>
+          <a:endParaRPr lang="en-US"/>
+        </a:p>
+      </dgm:t>
     </dgm:pt>
   </dgm:ptLst>
   <dgm:cxnLst>
@@ -1059,8 +1122,8 @@
     <dgm:cxn modelId="{9E36FE49-A307-9749-B90B-D52B71C6E8A4}" srcId="{5CD1AE0B-BE05-DE40-A7FF-ECDF6398A565}" destId="{A269B124-0BAB-2F43-BD22-9597166D7F40}" srcOrd="2" destOrd="0" parTransId="{3B0E99A9-68A1-C741-8A8A-3C5899733A84}" sibTransId="{5CB4BAC3-D97A-AF43-B301-32066BF441F2}"/>
     <dgm:cxn modelId="{38045A6A-FD51-7C4D-8390-455DE3AF681B}" type="presOf" srcId="{5CB4BAC3-D97A-AF43-B301-32066BF441F2}" destId="{46F63816-2E9C-1748-A051-D2F0573F87CC}" srcOrd="1" destOrd="0" presId="urn:microsoft.com/office/officeart/2005/8/layout/cycle7"/>
     <dgm:cxn modelId="{60E74E0D-F338-8A43-98E6-D1FD0B8C96D6}" srcId="{5CD1AE0B-BE05-DE40-A7FF-ECDF6398A565}" destId="{332CBCBC-8412-A441-A176-D3A0B353E8D0}" srcOrd="1" destOrd="0" parTransId="{D41E36E9-5938-0C45-A11E-1EF3FA379AE1}" sibTransId="{A8DDFBE3-A220-784D-8F97-7AAE5E2C662C}"/>
+    <dgm:cxn modelId="{A7DA41BB-D485-5343-A0E4-9593AFAD82B6}" type="presOf" srcId="{5CB4BAC3-D97A-AF43-B301-32066BF441F2}" destId="{26078EF5-D4A3-DD49-9420-1C23D76B1CED}" srcOrd="0" destOrd="0" presId="urn:microsoft.com/office/officeart/2005/8/layout/cycle7"/>
     <dgm:cxn modelId="{FDAF2A42-761B-CE45-87E0-5F818E3AEB4F}" type="presOf" srcId="{332CBCBC-8412-A441-A176-D3A0B353E8D0}" destId="{2DEDB50A-6CE4-1143-9049-34DA0BFAA498}" srcOrd="0" destOrd="0" presId="urn:microsoft.com/office/officeart/2005/8/layout/cycle7"/>
-    <dgm:cxn modelId="{A7DA41BB-D485-5343-A0E4-9593AFAD82B6}" type="presOf" srcId="{5CB4BAC3-D97A-AF43-B301-32066BF441F2}" destId="{26078EF5-D4A3-DD49-9420-1C23D76B1CED}" srcOrd="0" destOrd="0" presId="urn:microsoft.com/office/officeart/2005/8/layout/cycle7"/>
     <dgm:cxn modelId="{575233F8-8EC4-1F41-BD45-558861DC2380}" type="presOf" srcId="{A8DDFBE3-A220-784D-8F97-7AAE5E2C662C}" destId="{07F2F792-0D73-4745-A1A0-17F50F3C38A7}" srcOrd="1" destOrd="0" presId="urn:microsoft.com/office/officeart/2005/8/layout/cycle7"/>
     <dgm:cxn modelId="{01E9785E-1F94-1F4D-BF09-B138A23476D4}" type="presOf" srcId="{32B86B39-F052-9D49-A8A3-7B494BE1CF71}" destId="{CD78A63D-8674-6440-9A36-8589F8949084}" srcOrd="0" destOrd="0" presId="urn:microsoft.com/office/officeart/2005/8/layout/cycle7"/>
     <dgm:cxn modelId="{0B253B58-E83B-2645-B124-8B4340801375}" type="presOf" srcId="{767C7974-8066-3743-B1AD-E0D68581121F}" destId="{ECBA6517-1DAF-BC44-9160-17E9DCED3E6F}" srcOrd="1" destOrd="0" presId="urn:microsoft.com/office/officeart/2005/8/layout/cycle7"/>
@@ -6415,12 +6478,12 @@
               <a:t>Add real-time data </a:t>
             </a:r>
             <a:r>
-              <a:rPr lang="en-US" sz="3600" dirty="0" err="1" smtClean="0"/>
-              <a:t>syncronization</a:t>
-            </a:r>
-            <a:r>
               <a:rPr lang="en-US" sz="3600" dirty="0" smtClean="0"/>
-              <a:t> to an existing Backbone application with little to no changes to the application code</a:t>
+              <a:t>synchronization </a:t>
+            </a:r>
+            <a:r>
+              <a:rPr lang="en-US" sz="3600" dirty="0" smtClean="0"/>
+              <a:t>to an existing Backbone application with little to no changes to the application code</a:t>
             </a:r>
             <a:endParaRPr lang="en-US" sz="3600" dirty="0"/>
           </a:p>
@@ -6956,7 +7019,7 @@
           <a:p>
             <a:r>
               <a:rPr lang="en-US" dirty="0" smtClean="0"/>
-              <a:t>new application</a:t>
+              <a:t>demonstration</a:t>
             </a:r>
             <a:endParaRPr lang="en-US" dirty="0"/>
           </a:p>
@@ -6983,24 +7046,8 @@
               <a:buNone/>
             </a:pPr>
             <a:r>
-              <a:rPr lang="en-US" sz="4400" dirty="0" err="1"/>
-              <a:t>b</a:t>
-            </a:r>
-            <a:r>
-              <a:rPr lang="en-US" sz="4400" dirty="0" err="1" smtClean="0"/>
-              <a:t>ackbonejs</a:t>
-            </a:r>
-            <a:r>
               <a:rPr lang="en-US" sz="4400" dirty="0" smtClean="0"/>
-              <a:t>-</a:t>
-            </a:r>
-            <a:r>
-              <a:rPr lang="en-US" sz="4400" dirty="0" err="1" smtClean="0"/>
-              <a:t>socketio</a:t>
-            </a:r>
-            <a:r>
-              <a:rPr lang="en-US" sz="4400" dirty="0" smtClean="0"/>
-              <a:t>-comments</a:t>
+              <a:t>See it live at</a:t>
             </a:r>
           </a:p>
           <a:p>
@@ -7008,94 +7055,8 @@
               <a:buNone/>
             </a:pPr>
             <a:r>
-              <a:rPr lang="en-US" sz="3200" dirty="0" smtClean="0"/>
-              <a:t>A real-time </a:t>
-            </a:r>
-            <a:r>
-              <a:rPr lang="en-US" sz="3200" dirty="0"/>
-              <a:t>comment system built using </a:t>
-            </a:r>
-            <a:r>
-              <a:rPr lang="en-US" sz="3200" dirty="0" err="1"/>
-              <a:t>backbone.js</a:t>
-            </a:r>
-            <a:r>
-              <a:rPr lang="en-US" sz="3200" dirty="0"/>
-              <a:t>. </a:t>
-            </a:r>
-            <a:r>
-              <a:rPr lang="en-US" sz="3200" dirty="0" smtClean="0"/>
-              <a:t>Using </a:t>
-            </a:r>
-            <a:r>
-              <a:rPr lang="en-US" sz="3200" dirty="0" err="1" smtClean="0"/>
-              <a:t>backbone.js</a:t>
-            </a:r>
-            <a:r>
-              <a:rPr lang="en-US" sz="3200" dirty="0"/>
-              <a:t>, </a:t>
-            </a:r>
-            <a:r>
-              <a:rPr lang="en-US" sz="3200" dirty="0" err="1" smtClean="0"/>
-              <a:t>socket.io</a:t>
-            </a:r>
-            <a:r>
-              <a:rPr lang="en-US" sz="3200" dirty="0" smtClean="0"/>
-              <a:t>, </a:t>
-            </a:r>
-            <a:r>
-              <a:rPr lang="en-US" sz="3200" dirty="0" err="1"/>
-              <a:t>node.js</a:t>
-            </a:r>
-            <a:r>
-              <a:rPr lang="en-US" sz="3200" dirty="0"/>
-              <a:t> and </a:t>
-            </a:r>
-            <a:r>
-              <a:rPr lang="en-US" sz="3200" dirty="0" err="1" smtClean="0"/>
-              <a:t>mongoDB</a:t>
-            </a:r>
-            <a:endParaRPr lang="en-US" sz="3200" dirty="0" smtClean="0"/>
-          </a:p>
-          <a:p>
-            <a:pPr marL="0" indent="0" algn="ctr">
-              <a:buNone/>
-            </a:pPr>
-            <a:r>
               <a:rPr lang="en-US" sz="2400" dirty="0"/>
-              <a:t>https://</a:t>
-            </a:r>
-            <a:r>
-              <a:rPr lang="en-US" sz="2400" dirty="0" err="1"/>
-              <a:t>github.com</a:t>
-            </a:r>
-            <a:r>
-              <a:rPr lang="en-US" sz="2400" dirty="0" smtClean="0"/>
-              <a:t>/</a:t>
-            </a:r>
-            <a:r>
-              <a:rPr lang="en-US" sz="2400" dirty="0" err="1" smtClean="0"/>
-              <a:t>nickcs</a:t>
-            </a:r>
-            <a:r>
-              <a:rPr lang="en-US" sz="2400" dirty="0" smtClean="0"/>
-              <a:t>/</a:t>
-            </a:r>
-            <a:r>
-              <a:rPr lang="en-US" sz="2400" dirty="0" err="1"/>
-              <a:t>backbonejs</a:t>
-            </a:r>
-            <a:r>
-              <a:rPr lang="en-US" sz="2400" dirty="0"/>
-              <a:t>-</a:t>
-            </a:r>
-            <a:r>
-              <a:rPr lang="en-US" sz="2400" dirty="0" err="1"/>
-              <a:t>socketio</a:t>
-            </a:r>
-            <a:r>
-              <a:rPr lang="en-US" sz="2400" dirty="0"/>
-              <a:t>-comments</a:t>
+              <a:t>http://54.200.73.67:3000/</a:t>
             </a:r>
           </a:p>
         </p:txBody>
@@ -7103,7 +7064,7 @@
     </p:spTree>
     <p:extLst>
       <p:ext uri="{BB962C8B-B14F-4D97-AF65-F5344CB8AC3E}">
-        <p14:creationId xmlns:p14="http://schemas.microsoft.com/office/powerpoint/2010/main" val="2415643118"/>
+        <p14:creationId xmlns:p14="http://schemas.microsoft.com/office/powerpoint/2010/main" val="3894267606"/>
       </p:ext>
     </p:extLst>
   </p:cSld>
@@ -7147,7 +7108,7 @@
           <a:p>
             <a:r>
               <a:rPr lang="en-US" dirty="0" smtClean="0"/>
-              <a:t>demonstration</a:t>
+              <a:t>new application</a:t>
             </a:r>
             <a:endParaRPr lang="en-US" dirty="0"/>
           </a:p>
@@ -7174,8 +7135,24 @@
               <a:buNone/>
             </a:pPr>
             <a:r>
+              <a:rPr lang="en-US" sz="4400" dirty="0" err="1"/>
+              <a:t>b</a:t>
+            </a:r>
+            <a:r>
+              <a:rPr lang="en-US" sz="4400" dirty="0" err="1" smtClean="0"/>
+              <a:t>ackbonejs</a:t>
+            </a:r>
+            <a:r>
               <a:rPr lang="en-US" sz="4400" dirty="0" smtClean="0"/>
-              <a:t>See it live at</a:t>
+              <a:t>-</a:t>
+            </a:r>
+            <a:r>
+              <a:rPr lang="en-US" sz="4400" dirty="0" err="1" smtClean="0"/>
+              <a:t>socketio</a:t>
+            </a:r>
+            <a:r>
+              <a:rPr lang="en-US" sz="4400" dirty="0" smtClean="0"/>
+              <a:t>-comments</a:t>
             </a:r>
           </a:p>
           <a:p>
@@ -7183,8 +7160,94 @@
               <a:buNone/>
             </a:pPr>
             <a:r>
+              <a:rPr lang="en-US" sz="3200" dirty="0" smtClean="0"/>
+              <a:t>A real-time </a:t>
+            </a:r>
+            <a:r>
+              <a:rPr lang="en-US" sz="3200" dirty="0"/>
+              <a:t>comment system built using </a:t>
+            </a:r>
+            <a:r>
+              <a:rPr lang="en-US" sz="3200" dirty="0" err="1"/>
+              <a:t>backbone.js</a:t>
+            </a:r>
+            <a:r>
+              <a:rPr lang="en-US" sz="3200" dirty="0"/>
+              <a:t>. </a:t>
+            </a:r>
+            <a:r>
+              <a:rPr lang="en-US" sz="3200" dirty="0" smtClean="0"/>
+              <a:t>Using </a:t>
+            </a:r>
+            <a:r>
+              <a:rPr lang="en-US" sz="3200" dirty="0" err="1" smtClean="0"/>
+              <a:t>backbone.js</a:t>
+            </a:r>
+            <a:r>
+              <a:rPr lang="en-US" sz="3200" dirty="0"/>
+              <a:t>, </a:t>
+            </a:r>
+            <a:r>
+              <a:rPr lang="en-US" sz="3200" dirty="0" err="1" smtClean="0"/>
+              <a:t>socket.io</a:t>
+            </a:r>
+            <a:r>
+              <a:rPr lang="en-US" sz="3200" dirty="0" smtClean="0"/>
+              <a:t>, </a:t>
+            </a:r>
+            <a:r>
+              <a:rPr lang="en-US" sz="3200" dirty="0" err="1"/>
+              <a:t>node.js</a:t>
+            </a:r>
+            <a:r>
+              <a:rPr lang="en-US" sz="3200" dirty="0"/>
+              <a:t> and </a:t>
+            </a:r>
+            <a:r>
+              <a:rPr lang="en-US" sz="3200" dirty="0" err="1" smtClean="0"/>
+              <a:t>mongoDB</a:t>
+            </a:r>
+            <a:endParaRPr lang="en-US" sz="3200" dirty="0" smtClean="0"/>
+          </a:p>
+          <a:p>
+            <a:pPr marL="0" indent="0" algn="ctr">
+              <a:buNone/>
+            </a:pPr>
+            <a:r>
               <a:rPr lang="en-US" sz="2400" dirty="0"/>
-              <a:t>http://54.200.73.67:3000/</a:t>
+              <a:t>https://</a:t>
+            </a:r>
+            <a:r>
+              <a:rPr lang="en-US" sz="2400" dirty="0" err="1"/>
+              <a:t>github.com</a:t>
+            </a:r>
+            <a:r>
+              <a:rPr lang="en-US" sz="2400" dirty="0" smtClean="0"/>
+              <a:t>/</a:t>
+            </a:r>
+            <a:r>
+              <a:rPr lang="en-US" sz="2400" dirty="0" err="1" smtClean="0"/>
+              <a:t>nickcs</a:t>
+            </a:r>
+            <a:r>
+              <a:rPr lang="en-US" sz="2400" dirty="0" smtClean="0"/>
+              <a:t>/</a:t>
+            </a:r>
+            <a:r>
+              <a:rPr lang="en-US" sz="2400" dirty="0" err="1"/>
+              <a:t>backbonejs</a:t>
+            </a:r>
+            <a:r>
+              <a:rPr lang="en-US" sz="2400" dirty="0"/>
+              <a:t>-</a:t>
+            </a:r>
+            <a:r>
+              <a:rPr lang="en-US" sz="2400" dirty="0" err="1"/>
+              <a:t>socketio</a:t>
+            </a:r>
+            <a:r>
+              <a:rPr lang="en-US" sz="2400" dirty="0"/>
+              <a:t>-comments</a:t>
             </a:r>
           </a:p>
         </p:txBody>
@@ -7192,7 +7255,7 @@
     </p:spTree>
     <p:extLst>
       <p:ext uri="{BB962C8B-B14F-4D97-AF65-F5344CB8AC3E}">
-        <p14:creationId xmlns:p14="http://schemas.microsoft.com/office/powerpoint/2010/main" val="3894267606"/>
+        <p14:creationId xmlns:p14="http://schemas.microsoft.com/office/powerpoint/2010/main" val="2415643118"/>
       </p:ext>
     </p:extLst>
   </p:cSld>
